--- a/Mt_Mitake/Mt_Mitake_v2.pptx
+++ b/Mt_Mitake/Mt_Mitake_v2.pptx
@@ -321,7 +321,7 @@
           <a:p>
             <a:fld id="{DD8665CA-98EB-954E-9E78-C1AE607F0BF9}" type="datetimeFigureOut">
               <a:rPr lang="en-JP" smtClean="0"/>
-              <a:t>2024/11/12</a:t>
+              <a:t>2024/11/26</a:t>
             </a:fld>
             <a:endParaRPr lang="en-JP"/>
           </a:p>
@@ -738,7 +738,7 @@
           <a:p>
             <a:fld id="{3375D4D2-DE04-074D-BA47-2B2D9F2B02BD}" type="datetime1">
               <a:rPr lang="en-US" smtClean="0"/>
-              <a:t>11/12/24</a:t>
+              <a:t>11/26/24</a:t>
             </a:fld>
             <a:endParaRPr lang="en-JP"/>
           </a:p>
@@ -938,7 +938,7 @@
           <a:p>
             <a:fld id="{4C738DAD-A1D2-B044-8BCB-7BB636943297}" type="datetime1">
               <a:rPr lang="en-US" smtClean="0"/>
-              <a:t>11/12/24</a:t>
+              <a:t>11/26/24</a:t>
             </a:fld>
             <a:endParaRPr lang="en-JP"/>
           </a:p>
@@ -1148,7 +1148,7 @@
           <a:p>
             <a:fld id="{B2CF31AE-F29D-E141-8A95-BF92DD4A7346}" type="datetime1">
               <a:rPr lang="en-US" smtClean="0"/>
-              <a:t>11/12/24</a:t>
+              <a:t>11/26/24</a:t>
             </a:fld>
             <a:endParaRPr lang="en-JP"/>
           </a:p>
@@ -1348,7 +1348,7 @@
           <a:p>
             <a:fld id="{7873311C-F9ED-0740-9221-9F11CCA5D922}" type="datetime1">
               <a:rPr lang="en-US" smtClean="0"/>
-              <a:t>11/12/24</a:t>
+              <a:t>11/26/24</a:t>
             </a:fld>
             <a:endParaRPr lang="en-JP"/>
           </a:p>
@@ -1624,7 +1624,7 @@
           <a:p>
             <a:fld id="{6F118A1D-8359-7D4D-BCF9-5F0DCA2F5AA7}" type="datetime1">
               <a:rPr lang="en-US" smtClean="0"/>
-              <a:t>11/12/24</a:t>
+              <a:t>11/26/24</a:t>
             </a:fld>
             <a:endParaRPr lang="en-JP"/>
           </a:p>
@@ -1892,7 +1892,7 @@
           <a:p>
             <a:fld id="{E7E0B224-D14A-C546-8D6D-16CFC9FEC220}" type="datetime1">
               <a:rPr lang="en-US" smtClean="0"/>
-              <a:t>11/12/24</a:t>
+              <a:t>11/26/24</a:t>
             </a:fld>
             <a:endParaRPr lang="en-JP"/>
           </a:p>
@@ -2307,7 +2307,7 @@
           <a:p>
             <a:fld id="{B9440678-4D31-884B-974D-1412BE6E100B}" type="datetime1">
               <a:rPr lang="en-US" smtClean="0"/>
-              <a:t>11/12/24</a:t>
+              <a:t>11/26/24</a:t>
             </a:fld>
             <a:endParaRPr lang="en-JP"/>
           </a:p>
@@ -2449,7 +2449,7 @@
           <a:p>
             <a:fld id="{16F80F44-19BC-4C47-98DA-852EB1ED6861}" type="datetime1">
               <a:rPr lang="en-US" smtClean="0"/>
-              <a:t>11/12/24</a:t>
+              <a:t>11/26/24</a:t>
             </a:fld>
             <a:endParaRPr lang="en-JP"/>
           </a:p>
@@ -2562,7 +2562,7 @@
           <a:p>
             <a:fld id="{6F9E90D5-D3E4-E34E-BD77-50755871280F}" type="datetime1">
               <a:rPr lang="en-US" smtClean="0"/>
-              <a:t>11/12/24</a:t>
+              <a:t>11/26/24</a:t>
             </a:fld>
             <a:endParaRPr lang="en-JP"/>
           </a:p>
@@ -2875,7 +2875,7 @@
           <a:p>
             <a:fld id="{73614713-4DBF-DB40-A97D-8079145AA70D}" type="datetime1">
               <a:rPr lang="en-US" smtClean="0"/>
-              <a:t>11/12/24</a:t>
+              <a:t>11/26/24</a:t>
             </a:fld>
             <a:endParaRPr lang="en-JP"/>
           </a:p>
@@ -3164,7 +3164,7 @@
           <a:p>
             <a:fld id="{0AD62649-8417-FB47-9AA9-E0EEF7E38D87}" type="datetime1">
               <a:rPr lang="en-US" smtClean="0"/>
-              <a:t>11/12/24</a:t>
+              <a:t>11/26/24</a:t>
             </a:fld>
             <a:endParaRPr lang="en-JP"/>
           </a:p>
@@ -3407,7 +3407,7 @@
           <a:p>
             <a:fld id="{BA227DB8-F3F2-914F-AB25-9417CD2E0639}" type="datetime1">
               <a:rPr lang="en-US" smtClean="0"/>
-              <a:t>11/12/24</a:t>
+              <a:t>11/26/24</a:t>
             </a:fld>
             <a:endParaRPr lang="en-JP"/>
           </a:p>
@@ -6624,7 +6624,7 @@
         <p:spPr>
           <a:xfrm>
             <a:off x="7556240" y="2753292"/>
-            <a:ext cx="4169699" cy="2031325"/>
+            <a:ext cx="4169699" cy="1754326"/>
           </a:xfrm>
           <a:prstGeom prst="rect">
             <a:avLst/>
@@ -6653,21 +6653,13 @@
           <a:p>
             <a:r>
               <a:rPr lang="en-JP" dirty="0"/>
-              <a:t>The bus will be crowded. The company will man</a:t>
-            </a:r>
-            <a:r>
-              <a:rPr lang="en-US" dirty="0"/>
-              <a:t>a</a:t>
-            </a:r>
+              <a:t>The bus will be crowded. </a:t>
+            </a:r>
+          </a:p>
+          <a:p>
             <a:r>
               <a:rPr lang="en-JP" dirty="0"/>
-              <a:t>ge to run an additional bus. </a:t>
-            </a:r>
-          </a:p>
-          <a:p>
-            <a:r>
-              <a:rPr lang="en-JP" dirty="0"/>
-              <a:t>If not, we have to wait for </a:t>
+              <a:t>If we miss the bus, we have to wait for </a:t>
             </a:r>
             <a:r>
               <a:rPr lang="en-US" dirty="0"/>

--- a/Mt_Mitake/Mt_Mitake_v2.pptx
+++ b/Mt_Mitake/Mt_Mitake_v2.pptx
@@ -5,7 +5,7 @@
     <p:sldMasterId id="2147483648" r:id="rId1"/>
   </p:sldMasterIdLst>
   <p:notesMasterIdLst>
-    <p:notesMasterId r:id="rId15"/>
+    <p:notesMasterId r:id="rId14"/>
   </p:notesMasterIdLst>
   <p:sldIdLst>
     <p:sldId id="274" r:id="rId2"/>
@@ -16,11 +16,10 @@
     <p:sldId id="263" r:id="rId7"/>
     <p:sldId id="265" r:id="rId8"/>
     <p:sldId id="266" r:id="rId9"/>
-    <p:sldId id="277" r:id="rId10"/>
-    <p:sldId id="270" r:id="rId11"/>
-    <p:sldId id="271" r:id="rId12"/>
-    <p:sldId id="272" r:id="rId13"/>
-    <p:sldId id="273" r:id="rId14"/>
+    <p:sldId id="270" r:id="rId10"/>
+    <p:sldId id="271" r:id="rId11"/>
+    <p:sldId id="272" r:id="rId12"/>
+    <p:sldId id="273" r:id="rId13"/>
   </p:sldIdLst>
   <p:sldSz cx="12192000" cy="6858000"/>
   <p:notesSz cx="6858000" cy="9144000"/>
@@ -3970,12 +3969,91 @@
           <a:chExt cx="0" cy="0"/>
         </a:xfrm>
       </p:grpSpPr>
+      <p:sp>
+        <p:nvSpPr>
+          <p:cNvPr id="2" name="Title 1">
+            <a:extLst>
+              <a:ext uri="{FF2B5EF4-FFF2-40B4-BE49-F238E27FC236}">
+                <a16:creationId xmlns:a16="http://schemas.microsoft.com/office/drawing/2014/main" id="{E93927DA-CFFD-C422-B991-145C22F501FB}"/>
+              </a:ext>
+            </a:extLst>
+          </p:cNvPr>
+          <p:cNvSpPr>
+            <a:spLocks noGrp="1"/>
+          </p:cNvSpPr>
+          <p:nvPr>
+            <p:ph type="title"/>
+          </p:nvPr>
+        </p:nvSpPr>
+        <p:spPr/>
+        <p:txBody>
+          <a:bodyPr>
+            <a:normAutofit/>
+          </a:bodyPr>
+          <a:lstStyle/>
+          <a:p>
+            <a:r>
+              <a:rPr lang="en-JP" sz="4000" dirty="0"/>
+              <a:t>6. Walk along the river: JR </a:t>
+            </a:r>
+            <a:r>
+              <a:rPr lang="en-US" sz="4000" dirty="0" err="1"/>
+              <a:t>Mitake</a:t>
+            </a:r>
+            <a:r>
+              <a:rPr lang="en-US" sz="4000" dirty="0"/>
+              <a:t> Station to </a:t>
+            </a:r>
+            <a:r>
+              <a:rPr lang="en-US" sz="4000" dirty="0" err="1"/>
+              <a:t>Sawanoi</a:t>
+            </a:r>
+            <a:r>
+              <a:rPr lang="en-US" sz="4000" dirty="0"/>
+              <a:t> (Ozawa brewery)</a:t>
+            </a:r>
+            <a:r>
+              <a:rPr lang="en-JP" sz="4000" dirty="0"/>
+              <a:t> </a:t>
+            </a:r>
+          </a:p>
+        </p:txBody>
+      </p:sp>
+      <p:sp>
+        <p:nvSpPr>
+          <p:cNvPr id="3" name="Slide Number Placeholder 2">
+            <a:extLst>
+              <a:ext uri="{FF2B5EF4-FFF2-40B4-BE49-F238E27FC236}">
+                <a16:creationId xmlns:a16="http://schemas.microsoft.com/office/drawing/2014/main" id="{8C2DCBA3-B68A-5E98-7A32-33603211E74E}"/>
+              </a:ext>
+            </a:extLst>
+          </p:cNvPr>
+          <p:cNvSpPr>
+            <a:spLocks noGrp="1"/>
+          </p:cNvSpPr>
+          <p:nvPr>
+            <p:ph type="sldNum" sz="quarter" idx="12"/>
+          </p:nvPr>
+        </p:nvSpPr>
+        <p:spPr/>
+        <p:txBody>
+          <a:bodyPr/>
+          <a:lstStyle/>
+          <a:p>
+            <a:fld id="{9BE6692C-AC76-3741-9509-FFA149BFFD37}" type="slidenum">
+              <a:rPr lang="en-JP" smtClean="0"/>
+              <a:t>10</a:t>
+            </a:fld>
+            <a:endParaRPr lang="en-JP"/>
+          </a:p>
+        </p:txBody>
+      </p:sp>
       <p:pic>
         <p:nvPicPr>
-          <p:cNvPr id="4" name="Picture 3" descr="A screenshot of a cell phone&#10;&#10;Description automatically generated">
-            <a:extLst>
-              <a:ext uri="{FF2B5EF4-FFF2-40B4-BE49-F238E27FC236}">
-                <a16:creationId xmlns:a16="http://schemas.microsoft.com/office/drawing/2014/main" id="{2DBFC349-1827-F6E0-8410-B1CF5F5143A0}"/>
+          <p:cNvPr id="5" name="Picture 4" descr="A map of a road&#10;&#10;Description automatically generated">
+            <a:extLst>
+              <a:ext uri="{FF2B5EF4-FFF2-40B4-BE49-F238E27FC236}">
+                <a16:creationId xmlns:a16="http://schemas.microsoft.com/office/drawing/2014/main" id="{7FEF71A2-4694-68CF-7270-96F4C27313B5}"/>
               </a:ext>
             </a:extLst>
           </p:cNvPr>
@@ -3998,78 +4076,20 @@
         </p:blipFill>
         <p:spPr>
           <a:xfrm>
-            <a:off x="5313642" y="2570992"/>
-            <a:ext cx="4667400" cy="3495585"/>
+            <a:off x="999052" y="1642877"/>
+            <a:ext cx="9356652" cy="4094038"/>
           </a:xfrm>
           <a:prstGeom prst="rect">
             <a:avLst/>
           </a:prstGeom>
         </p:spPr>
       </p:pic>
-      <p:sp>
-        <p:nvSpPr>
-          <p:cNvPr id="2" name="Title 1">
-            <a:extLst>
-              <a:ext uri="{FF2B5EF4-FFF2-40B4-BE49-F238E27FC236}">
-                <a16:creationId xmlns:a16="http://schemas.microsoft.com/office/drawing/2014/main" id="{BDC26C03-C381-783B-849A-FA63C8297584}"/>
-              </a:ext>
-            </a:extLst>
-          </p:cNvPr>
-          <p:cNvSpPr>
-            <a:spLocks noGrp="1"/>
-          </p:cNvSpPr>
-          <p:nvPr>
-            <p:ph type="title"/>
-          </p:nvPr>
-        </p:nvSpPr>
-        <p:spPr/>
-        <p:txBody>
-          <a:bodyPr/>
-          <a:lstStyle/>
-          <a:p>
-            <a:r>
-              <a:rPr lang="en-JP"/>
-              <a:t>5. Mt. Mitake to JR Mitake Station</a:t>
-            </a:r>
-            <a:endParaRPr lang="en-JP" dirty="0"/>
-          </a:p>
-        </p:txBody>
-      </p:sp>
-      <p:sp>
-        <p:nvSpPr>
-          <p:cNvPr id="7" name="Slide Number Placeholder 6">
-            <a:extLst>
-              <a:ext uri="{FF2B5EF4-FFF2-40B4-BE49-F238E27FC236}">
-                <a16:creationId xmlns:a16="http://schemas.microsoft.com/office/drawing/2014/main" id="{14587119-C713-C3A6-B61C-7C6FE09EBB91}"/>
-              </a:ext>
-            </a:extLst>
-          </p:cNvPr>
-          <p:cNvSpPr>
-            <a:spLocks noGrp="1"/>
-          </p:cNvSpPr>
-          <p:nvPr>
-            <p:ph type="sldNum" sz="quarter" idx="12"/>
-          </p:nvPr>
-        </p:nvSpPr>
-        <p:spPr/>
-        <p:txBody>
-          <a:bodyPr/>
-          <a:lstStyle/>
-          <a:p>
-            <a:fld id="{9BE6692C-AC76-3741-9509-FFA149BFFD37}" type="slidenum">
-              <a:rPr lang="en-JP" smtClean="0"/>
-              <a:t>10</a:t>
-            </a:fld>
-            <a:endParaRPr lang="en-JP"/>
-          </a:p>
-        </p:txBody>
-      </p:sp>
       <p:pic>
         <p:nvPicPr>
-          <p:cNvPr id="10" name="Picture 2" descr="御岳登山鉄道ケーブルカー　時刻表　2023年3月18日改正">
-            <a:extLst>
-              <a:ext uri="{FF2B5EF4-FFF2-40B4-BE49-F238E27FC236}">
-                <a16:creationId xmlns:a16="http://schemas.microsoft.com/office/drawing/2014/main" id="{B714A599-8135-520B-E169-4D2B3BB44920}"/>
+          <p:cNvPr id="8194" name="Picture 2" descr="Welcom to Sawanoi">
+            <a:extLst>
+              <a:ext uri="{FF2B5EF4-FFF2-40B4-BE49-F238E27FC236}">
+                <a16:creationId xmlns:a16="http://schemas.microsoft.com/office/drawing/2014/main" id="{F2ECC415-D451-436C-82D5-9E2C32A15543}"/>
               </a:ext>
             </a:extLst>
           </p:cNvPr>
@@ -4086,14 +4106,15 @@
               </a:ext>
             </a:extLst>
           </a:blip>
+          <a:srcRect/>
           <a:stretch>
             <a:fillRect/>
           </a:stretch>
         </p:blipFill>
         <p:spPr bwMode="auto">
           <a:xfrm>
-            <a:off x="718704" y="1690688"/>
-            <a:ext cx="3222180" cy="4554319"/>
+            <a:off x="6230679" y="4129792"/>
+            <a:ext cx="5410200" cy="2591683"/>
           </a:xfrm>
           <a:prstGeom prst="rect">
             <a:avLst/>
@@ -4112,67 +4133,20 @@
       </p:pic>
       <p:sp>
         <p:nvSpPr>
-          <p:cNvPr id="11" name="Oval 10">
-            <a:extLst>
-              <a:ext uri="{FF2B5EF4-FFF2-40B4-BE49-F238E27FC236}">
-                <a16:creationId xmlns:a16="http://schemas.microsoft.com/office/drawing/2014/main" id="{50D6ECCF-8CA9-F1D7-6A74-F96D9198A470}"/>
-              </a:ext>
-            </a:extLst>
-          </p:cNvPr>
-          <p:cNvSpPr/>
+          <p:cNvPr id="7" name="TextBox 6">
+            <a:extLst>
+              <a:ext uri="{FF2B5EF4-FFF2-40B4-BE49-F238E27FC236}">
+                <a16:creationId xmlns:a16="http://schemas.microsoft.com/office/drawing/2014/main" id="{559F6963-FCFF-455C-1298-1B46A76C6778}"/>
+              </a:ext>
+            </a:extLst>
+          </p:cNvPr>
+          <p:cNvSpPr txBox="1"/>
           <p:nvPr/>
         </p:nvSpPr>
         <p:spPr>
           <a:xfrm>
-            <a:off x="1064631" y="4445242"/>
-            <a:ext cx="447273" cy="365125"/>
-          </a:xfrm>
-          <a:prstGeom prst="ellipse">
-            <a:avLst/>
-          </a:prstGeom>
-          <a:noFill/>
-        </p:spPr>
-        <p:style>
-          <a:lnRef idx="2">
-            <a:schemeClr val="accent1">
-              <a:shade val="15000"/>
-            </a:schemeClr>
-          </a:lnRef>
-          <a:fillRef idx="1">
-            <a:schemeClr val="accent1"/>
-          </a:fillRef>
-          <a:effectRef idx="0">
-            <a:schemeClr val="accent1"/>
-          </a:effectRef>
-          <a:fontRef idx="minor">
-            <a:schemeClr val="lt1"/>
-          </a:fontRef>
-        </p:style>
-        <p:txBody>
-          <a:bodyPr rtlCol="0" anchor="ctr"/>
-          <a:lstStyle/>
-          <a:p>
-            <a:pPr algn="ctr"/>
-            <a:endParaRPr lang="en-JP"/>
-          </a:p>
-        </p:txBody>
-      </p:sp>
-      <p:sp>
-        <p:nvSpPr>
-          <p:cNvPr id="3" name="TextBox 2">
-            <a:extLst>
-              <a:ext uri="{FF2B5EF4-FFF2-40B4-BE49-F238E27FC236}">
-                <a16:creationId xmlns:a16="http://schemas.microsoft.com/office/drawing/2014/main" id="{7CC57AB6-AE4F-22BA-C791-B927B31A95BC}"/>
-              </a:ext>
-            </a:extLst>
-          </p:cNvPr>
-          <p:cNvSpPr txBox="1"/>
-          <p:nvPr/>
-        </p:nvSpPr>
-        <p:spPr>
-          <a:xfrm>
-            <a:off x="5453580" y="1930785"/>
-            <a:ext cx="3974229" cy="400110"/>
+            <a:off x="533401" y="6044529"/>
+            <a:ext cx="6096000" cy="369332"/>
           </a:xfrm>
           <a:prstGeom prst="rect">
             <a:avLst/>
@@ -4180,69 +4154,22 @@
           <a:noFill/>
         </p:spPr>
         <p:txBody>
-          <a:bodyPr wrap="none" rtlCol="0">
+          <a:bodyPr wrap="square">
             <a:spAutoFit/>
           </a:bodyPr>
           <a:lstStyle/>
           <a:p>
             <a:r>
-              <a:rPr lang="en-JP" sz="2000" dirty="0"/>
-              <a:t>Bus time table to JR Mitake Station</a:t>
-            </a:r>
-          </a:p>
-        </p:txBody>
-      </p:sp>
-      <p:sp>
-        <p:nvSpPr>
-          <p:cNvPr id="5" name="Oval 4">
-            <a:extLst>
-              <a:ext uri="{FF2B5EF4-FFF2-40B4-BE49-F238E27FC236}">
-                <a16:creationId xmlns:a16="http://schemas.microsoft.com/office/drawing/2014/main" id="{0BB5CA37-677C-6F59-B198-02A67986F483}"/>
-              </a:ext>
-            </a:extLst>
-          </p:cNvPr>
-          <p:cNvSpPr/>
-          <p:nvPr/>
-        </p:nvSpPr>
-        <p:spPr>
-          <a:xfrm>
-            <a:off x="5844307" y="3636341"/>
-            <a:ext cx="711200" cy="685800"/>
-          </a:xfrm>
-          <a:prstGeom prst="ellipse">
-            <a:avLst/>
-          </a:prstGeom>
-          <a:noFill/>
-        </p:spPr>
-        <p:style>
-          <a:lnRef idx="2">
-            <a:schemeClr val="accent1">
-              <a:shade val="15000"/>
-            </a:schemeClr>
-          </a:lnRef>
-          <a:fillRef idx="1">
-            <a:schemeClr val="accent1"/>
-          </a:fillRef>
-          <a:effectRef idx="0">
-            <a:schemeClr val="accent1"/>
-          </a:effectRef>
-          <a:fontRef idx="minor">
-            <a:schemeClr val="lt1"/>
-          </a:fontRef>
-        </p:style>
-        <p:txBody>
-          <a:bodyPr rtlCol="0" anchor="ctr"/>
-          <a:lstStyle/>
-          <a:p>
-            <a:pPr algn="ctr"/>
-            <a:endParaRPr lang="en-JP"/>
+              <a:rPr lang="en-JP" dirty="0"/>
+              <a:t>http://www.sawanoi-sake.com/en/group-guide/#garden</a:t>
+            </a:r>
           </a:p>
         </p:txBody>
       </p:sp>
     </p:spTree>
     <p:extLst>
       <p:ext uri="{BB962C8B-B14F-4D97-AF65-F5344CB8AC3E}">
-        <p14:creationId xmlns:p14="http://schemas.microsoft.com/office/powerpoint/2010/main" val="2887807948"/>
+        <p14:creationId xmlns:p14="http://schemas.microsoft.com/office/powerpoint/2010/main" val="1223523109"/>
       </p:ext>
     </p:extLst>
   </p:cSld>
@@ -4274,233 +4201,6 @@
           <p:cNvPr id="2" name="Title 1">
             <a:extLst>
               <a:ext uri="{FF2B5EF4-FFF2-40B4-BE49-F238E27FC236}">
-                <a16:creationId xmlns:a16="http://schemas.microsoft.com/office/drawing/2014/main" id="{E93927DA-CFFD-C422-B991-145C22F501FB}"/>
-              </a:ext>
-            </a:extLst>
-          </p:cNvPr>
-          <p:cNvSpPr>
-            <a:spLocks noGrp="1"/>
-          </p:cNvSpPr>
-          <p:nvPr>
-            <p:ph type="title"/>
-          </p:nvPr>
-        </p:nvSpPr>
-        <p:spPr/>
-        <p:txBody>
-          <a:bodyPr>
-            <a:normAutofit/>
-          </a:bodyPr>
-          <a:lstStyle/>
-          <a:p>
-            <a:r>
-              <a:rPr lang="en-JP" sz="4000" dirty="0"/>
-              <a:t>6. Walk along the river: JR </a:t>
-            </a:r>
-            <a:r>
-              <a:rPr lang="en-US" sz="4000" dirty="0" err="1"/>
-              <a:t>Mitake</a:t>
-            </a:r>
-            <a:r>
-              <a:rPr lang="en-US" sz="4000" dirty="0"/>
-              <a:t> Station to </a:t>
-            </a:r>
-            <a:r>
-              <a:rPr lang="en-US" sz="4000" dirty="0" err="1"/>
-              <a:t>Sawanoi</a:t>
-            </a:r>
-            <a:r>
-              <a:rPr lang="en-US" sz="4000" dirty="0"/>
-              <a:t> (Ozawa brewery)</a:t>
-            </a:r>
-            <a:r>
-              <a:rPr lang="en-JP" sz="4000" dirty="0"/>
-              <a:t> </a:t>
-            </a:r>
-          </a:p>
-        </p:txBody>
-      </p:sp>
-      <p:sp>
-        <p:nvSpPr>
-          <p:cNvPr id="3" name="Slide Number Placeholder 2">
-            <a:extLst>
-              <a:ext uri="{FF2B5EF4-FFF2-40B4-BE49-F238E27FC236}">
-                <a16:creationId xmlns:a16="http://schemas.microsoft.com/office/drawing/2014/main" id="{8C2DCBA3-B68A-5E98-7A32-33603211E74E}"/>
-              </a:ext>
-            </a:extLst>
-          </p:cNvPr>
-          <p:cNvSpPr>
-            <a:spLocks noGrp="1"/>
-          </p:cNvSpPr>
-          <p:nvPr>
-            <p:ph type="sldNum" sz="quarter" idx="12"/>
-          </p:nvPr>
-        </p:nvSpPr>
-        <p:spPr/>
-        <p:txBody>
-          <a:bodyPr/>
-          <a:lstStyle/>
-          <a:p>
-            <a:fld id="{9BE6692C-AC76-3741-9509-FFA149BFFD37}" type="slidenum">
-              <a:rPr lang="en-JP" smtClean="0"/>
-              <a:t>11</a:t>
-            </a:fld>
-            <a:endParaRPr lang="en-JP"/>
-          </a:p>
-        </p:txBody>
-      </p:sp>
-      <p:pic>
-        <p:nvPicPr>
-          <p:cNvPr id="5" name="Picture 4" descr="A map of a road&#10;&#10;Description automatically generated">
-            <a:extLst>
-              <a:ext uri="{FF2B5EF4-FFF2-40B4-BE49-F238E27FC236}">
-                <a16:creationId xmlns:a16="http://schemas.microsoft.com/office/drawing/2014/main" id="{7FEF71A2-4694-68CF-7270-96F4C27313B5}"/>
-              </a:ext>
-            </a:extLst>
-          </p:cNvPr>
-          <p:cNvPicPr>
-            <a:picLocks noChangeAspect="1"/>
-          </p:cNvPicPr>
-          <p:nvPr/>
-        </p:nvPicPr>
-        <p:blipFill>
-          <a:blip r:embed="rId2" cstate="email">
-            <a:extLst>
-              <a:ext uri="{28A0092B-C50C-407E-A947-70E740481C1C}">
-                <a14:useLocalDpi xmlns:a14="http://schemas.microsoft.com/office/drawing/2010/main"/>
-              </a:ext>
-            </a:extLst>
-          </a:blip>
-          <a:stretch>
-            <a:fillRect/>
-          </a:stretch>
-        </p:blipFill>
-        <p:spPr>
-          <a:xfrm>
-            <a:off x="999052" y="1642877"/>
-            <a:ext cx="9356652" cy="4094038"/>
-          </a:xfrm>
-          <a:prstGeom prst="rect">
-            <a:avLst/>
-          </a:prstGeom>
-        </p:spPr>
-      </p:pic>
-      <p:pic>
-        <p:nvPicPr>
-          <p:cNvPr id="8194" name="Picture 2" descr="Welcom to Sawanoi">
-            <a:extLst>
-              <a:ext uri="{FF2B5EF4-FFF2-40B4-BE49-F238E27FC236}">
-                <a16:creationId xmlns:a16="http://schemas.microsoft.com/office/drawing/2014/main" id="{F2ECC415-D451-436C-82D5-9E2C32A15543}"/>
-              </a:ext>
-            </a:extLst>
-          </p:cNvPr>
-          <p:cNvPicPr>
-            <a:picLocks noChangeAspect="1" noChangeArrowheads="1"/>
-          </p:cNvPicPr>
-          <p:nvPr/>
-        </p:nvPicPr>
-        <p:blipFill>
-          <a:blip r:embed="rId3" cstate="email">
-            <a:extLst>
-              <a:ext uri="{28A0092B-C50C-407E-A947-70E740481C1C}">
-                <a14:useLocalDpi xmlns:a14="http://schemas.microsoft.com/office/drawing/2010/main"/>
-              </a:ext>
-            </a:extLst>
-          </a:blip>
-          <a:srcRect/>
-          <a:stretch>
-            <a:fillRect/>
-          </a:stretch>
-        </p:blipFill>
-        <p:spPr bwMode="auto">
-          <a:xfrm>
-            <a:off x="6230679" y="4129792"/>
-            <a:ext cx="5410200" cy="2591683"/>
-          </a:xfrm>
-          <a:prstGeom prst="rect">
-            <a:avLst/>
-          </a:prstGeom>
-          <a:noFill/>
-          <a:extLst>
-            <a:ext uri="{909E8E84-426E-40DD-AFC4-6F175D3DCCD1}">
-              <a14:hiddenFill xmlns:a14="http://schemas.microsoft.com/office/drawing/2010/main">
-                <a:solidFill>
-                  <a:srgbClr val="FFFFFF"/>
-                </a:solidFill>
-              </a14:hiddenFill>
-            </a:ext>
-          </a:extLst>
-        </p:spPr>
-      </p:pic>
-      <p:sp>
-        <p:nvSpPr>
-          <p:cNvPr id="7" name="TextBox 6">
-            <a:extLst>
-              <a:ext uri="{FF2B5EF4-FFF2-40B4-BE49-F238E27FC236}">
-                <a16:creationId xmlns:a16="http://schemas.microsoft.com/office/drawing/2014/main" id="{559F6963-FCFF-455C-1298-1B46A76C6778}"/>
-              </a:ext>
-            </a:extLst>
-          </p:cNvPr>
-          <p:cNvSpPr txBox="1"/>
-          <p:nvPr/>
-        </p:nvSpPr>
-        <p:spPr>
-          <a:xfrm>
-            <a:off x="533401" y="6044529"/>
-            <a:ext cx="6096000" cy="369332"/>
-          </a:xfrm>
-          <a:prstGeom prst="rect">
-            <a:avLst/>
-          </a:prstGeom>
-          <a:noFill/>
-        </p:spPr>
-        <p:txBody>
-          <a:bodyPr wrap="square">
-            <a:spAutoFit/>
-          </a:bodyPr>
-          <a:lstStyle/>
-          <a:p>
-            <a:r>
-              <a:rPr lang="en-JP" dirty="0"/>
-              <a:t>http://www.sawanoi-sake.com/en/group-guide/#garden</a:t>
-            </a:r>
-          </a:p>
-        </p:txBody>
-      </p:sp>
-    </p:spTree>
-    <p:extLst>
-      <p:ext uri="{BB962C8B-B14F-4D97-AF65-F5344CB8AC3E}">
-        <p14:creationId xmlns:p14="http://schemas.microsoft.com/office/powerpoint/2010/main" val="1223523109"/>
-      </p:ext>
-    </p:extLst>
-  </p:cSld>
-  <p:clrMapOvr>
-    <a:masterClrMapping/>
-  </p:clrMapOvr>
-</p:sld>
-</file>
-
-<file path=ppt/slides/slide12.xml><?xml version="1.0" encoding="utf-8"?>
-<p:sld xmlns:a="http://schemas.openxmlformats.org/drawingml/2006/main" xmlns:r="http://schemas.openxmlformats.org/officeDocument/2006/relationships" xmlns:p="http://schemas.openxmlformats.org/presentationml/2006/main">
-  <p:cSld>
-    <p:spTree>
-      <p:nvGrpSpPr>
-        <p:cNvPr id="1" name=""/>
-        <p:cNvGrpSpPr/>
-        <p:nvPr/>
-      </p:nvGrpSpPr>
-      <p:grpSpPr>
-        <a:xfrm>
-          <a:off x="0" y="0"/>
-          <a:ext cx="0" cy="0"/>
-          <a:chOff x="0" y="0"/>
-          <a:chExt cx="0" cy="0"/>
-        </a:xfrm>
-      </p:grpSpPr>
-      <p:sp>
-        <p:nvSpPr>
-          <p:cNvPr id="2" name="Title 1">
-            <a:extLst>
-              <a:ext uri="{FF2B5EF4-FFF2-40B4-BE49-F238E27FC236}">
                 <a16:creationId xmlns:a16="http://schemas.microsoft.com/office/drawing/2014/main" id="{2CEE0F66-8945-DD88-5C17-ECE874A6DDDB}"/>
               </a:ext>
             </a:extLst>
@@ -4610,7 +4310,7 @@
           <a:p>
             <a:fld id="{9BE6692C-AC76-3741-9509-FFA149BFFD37}" type="slidenum">
               <a:rPr lang="en-JP" smtClean="0"/>
-              <a:t>12</a:t>
+              <a:t>11</a:t>
             </a:fld>
             <a:endParaRPr lang="en-JP"/>
           </a:p>
@@ -4736,7 +4436,7 @@
 </p:sld>
 </file>
 
-<file path=ppt/slides/slide13.xml><?xml version="1.0" encoding="utf-8"?>
+<file path=ppt/slides/slide12.xml><?xml version="1.0" encoding="utf-8"?>
 <p:sld xmlns:a="http://schemas.openxmlformats.org/drawingml/2006/main" xmlns:r="http://schemas.openxmlformats.org/officeDocument/2006/relationships" xmlns:p="http://schemas.openxmlformats.org/presentationml/2006/main">
   <p:cSld>
     <p:spTree>
@@ -4804,7 +4504,7 @@
           <a:p>
             <a:fld id="{9BE6692C-AC76-3741-9509-FFA149BFFD37}" type="slidenum">
               <a:rPr lang="en-JP" smtClean="0"/>
-              <a:t>13</a:t>
+              <a:t>12</a:t>
             </a:fld>
             <a:endParaRPr lang="en-JP"/>
           </a:p>
@@ -5211,7 +4911,11 @@
           <a:p>
             <a:r>
               <a:rPr lang="en-JP" dirty="0"/>
-              <a:t>You are expected to bring your lunch and have lunch at Mt.Mitake. Otherwise,  you can go to the restaurants at Mt.Mitake (about 1000—2000 yen for lunch).</a:t>
+              <a:t>You are expected to bring your lunch and have lunch at Mt.Mitake. </a:t>
+            </a:r>
+            <a:r>
+              <a:rPr lang="en-JP" strike="sngStrike" dirty="0"/>
+              <a:t>Otherwise,  you can go to the restaurants at Mt.Mitake (about 1000—2000 yen for lunch).</a:t>
             </a:r>
           </a:p>
           <a:p>
@@ -5249,7 +4953,27 @@
                 <a:effectLst/>
                 <a:latin typeface="Helvetica" pitchFamily="2" charset="0"/>
               </a:rPr>
-              <a:t>10:32 on Nov. 27 (Wed.) at JR </a:t>
+              <a:t>10:3</a:t>
+            </a:r>
+            <a:r>
+              <a:rPr lang="en-US" b="1" i="0" u="sng" strike="noStrike" dirty="0">
+                <a:solidFill>
+                  <a:srgbClr val="FF0000"/>
+                </a:solidFill>
+                <a:effectLst/>
+                <a:latin typeface="Helvetica" pitchFamily="2" charset="0"/>
+              </a:rPr>
+              <a:t>5 </a:t>
+            </a:r>
+            <a:r>
+              <a:rPr lang="en-US" b="1" i="0" u="sng" strike="noStrike" dirty="0">
+                <a:solidFill>
+                  <a:srgbClr val="000000"/>
+                </a:solidFill>
+                <a:effectLst/>
+                <a:latin typeface="Helvetica" pitchFamily="2" charset="0"/>
+              </a:rPr>
+              <a:t>on Nov. 27 (Wed.) at JR </a:t>
             </a:r>
             <a:r>
               <a:rPr lang="en-US" b="1" i="0" u="sng" strike="noStrike" dirty="0" err="1">
@@ -5693,15 +5417,7 @@
             </a:r>
             <a:r>
               <a:rPr lang="en-JP" sz="2000" dirty="0"/>
-              <a:t>y, trains have a restroom </a:t>
-            </a:r>
-            <a:r>
-              <a:rPr lang="en-US" sz="2000" dirty="0"/>
-              <a:t>in</a:t>
-            </a:r>
-            <a:r>
-              <a:rPr lang="en-JP" sz="2000" dirty="0"/>
-              <a:t> the middle.</a:t>
+              <a:t>y, trains have a restroom.</a:t>
             </a:r>
           </a:p>
           <a:p>
@@ -6367,7 +6083,27 @@
                 <a:effectLst/>
                 <a:latin typeface="Helvetica" pitchFamily="2" charset="0"/>
               </a:rPr>
-              <a:t>:32 on Nov. 27 (Wed.) at JR </a:t>
+              <a:t>:3</a:t>
+            </a:r>
+            <a:r>
+              <a:rPr lang="en-US" b="1" i="0" u="sng" strike="noStrike" dirty="0">
+                <a:solidFill>
+                  <a:srgbClr val="FF0000"/>
+                </a:solidFill>
+                <a:effectLst/>
+                <a:latin typeface="Helvetica" pitchFamily="2" charset="0"/>
+              </a:rPr>
+              <a:t>5</a:t>
+            </a:r>
+            <a:r>
+              <a:rPr lang="en-US" b="1" i="0" u="sng" strike="noStrike" dirty="0">
+                <a:solidFill>
+                  <a:srgbClr val="000000"/>
+                </a:solidFill>
+                <a:effectLst/>
+                <a:latin typeface="Helvetica" pitchFamily="2" charset="0"/>
+              </a:rPr>
+              <a:t> on Nov. 27 (Wed.) at JR </a:t>
             </a:r>
             <a:r>
               <a:rPr lang="en-US" b="1" i="0" u="sng" strike="noStrike" dirty="0" err="1">
@@ -7490,12 +7226,48 @@
           <a:chExt cx="0" cy="0"/>
         </a:xfrm>
       </p:grpSpPr>
+      <p:pic>
+        <p:nvPicPr>
+          <p:cNvPr id="4" name="Picture 3" descr="A screenshot of a cell phone&#10;&#10;Description automatically generated">
+            <a:extLst>
+              <a:ext uri="{FF2B5EF4-FFF2-40B4-BE49-F238E27FC236}">
+                <a16:creationId xmlns:a16="http://schemas.microsoft.com/office/drawing/2014/main" id="{2DBFC349-1827-F6E0-8410-B1CF5F5143A0}"/>
+              </a:ext>
+            </a:extLst>
+          </p:cNvPr>
+          <p:cNvPicPr>
+            <a:picLocks noChangeAspect="1"/>
+          </p:cNvPicPr>
+          <p:nvPr/>
+        </p:nvPicPr>
+        <p:blipFill>
+          <a:blip r:embed="rId2" cstate="email">
+            <a:extLst>
+              <a:ext uri="{28A0092B-C50C-407E-A947-70E740481C1C}">
+                <a14:useLocalDpi xmlns:a14="http://schemas.microsoft.com/office/drawing/2010/main"/>
+              </a:ext>
+            </a:extLst>
+          </a:blip>
+          <a:stretch>
+            <a:fillRect/>
+          </a:stretch>
+        </p:blipFill>
+        <p:spPr>
+          <a:xfrm>
+            <a:off x="5313642" y="2570992"/>
+            <a:ext cx="4667400" cy="3495585"/>
+          </a:xfrm>
+          <a:prstGeom prst="rect">
+            <a:avLst/>
+          </a:prstGeom>
+        </p:spPr>
+      </p:pic>
       <p:sp>
         <p:nvSpPr>
           <p:cNvPr id="2" name="Title 1">
             <a:extLst>
               <a:ext uri="{FF2B5EF4-FFF2-40B4-BE49-F238E27FC236}">
-                <a16:creationId xmlns:a16="http://schemas.microsoft.com/office/drawing/2014/main" id="{1AFD2C6B-AD92-FF1E-93DB-A449169A92F8}"/>
+                <a16:creationId xmlns:a16="http://schemas.microsoft.com/office/drawing/2014/main" id="{BDC26C03-C381-783B-849A-FA63C8297584}"/>
               </a:ext>
             </a:extLst>
           </p:cNvPr>
@@ -7512,132 +7284,19 @@
           <a:lstStyle/>
           <a:p>
             <a:r>
-              <a:rPr lang="en-JP" dirty="0"/>
-              <a:t>10:30 am—1:20 pm, Lunch</a:t>
-            </a:r>
-          </a:p>
-        </p:txBody>
-      </p:sp>
-      <p:sp>
-        <p:nvSpPr>
-          <p:cNvPr id="3" name="Content Placeholder 2">
-            <a:extLst>
-              <a:ext uri="{FF2B5EF4-FFF2-40B4-BE49-F238E27FC236}">
-                <a16:creationId xmlns:a16="http://schemas.microsoft.com/office/drawing/2014/main" id="{41A4BD66-8BF0-8B7A-97CA-31FCCD02C2F6}"/>
-              </a:ext>
-            </a:extLst>
-          </p:cNvPr>
-          <p:cNvSpPr>
-            <a:spLocks noGrp="1"/>
-          </p:cNvSpPr>
-          <p:nvPr>
-            <p:ph idx="1"/>
-          </p:nvPr>
-        </p:nvSpPr>
-        <p:spPr/>
-        <p:txBody>
-          <a:bodyPr>
-            <a:normAutofit/>
-          </a:bodyPr>
-          <a:lstStyle/>
-          <a:p>
-            <a:r>
-              <a:rPr lang="en-JP" dirty="0"/>
-              <a:t>After we arrive at </a:t>
-            </a:r>
-            <a:r>
-              <a:rPr lang="en-JP" b="1" dirty="0"/>
-              <a:t>the cable car’s Mitake-san Station</a:t>
-            </a:r>
-            <a:r>
-              <a:rPr lang="en-JP" dirty="0"/>
-              <a:t>. </a:t>
-            </a:r>
-          </a:p>
-          <a:p>
-            <a:pPr lvl="1"/>
-            <a:r>
-              <a:rPr lang="en-JP" dirty="0"/>
-              <a:t>Going to the Musashi Mitake Shrine (top of the mountain). </a:t>
-            </a:r>
-          </a:p>
-          <a:p>
-            <a:pPr lvl="1"/>
-            <a:r>
-              <a:rPr lang="en-JP" dirty="0"/>
-              <a:t>There are brochur</a:t>
-            </a:r>
-            <a:r>
-              <a:rPr lang="en-US" dirty="0"/>
-              <a:t>e</a:t>
-            </a:r>
-            <a:r>
-              <a:rPr lang="en-JP" dirty="0"/>
-              <a:t>s and maps in English at the station. If you ride a lift, you will have to walk </a:t>
-            </a:r>
-            <a:r>
-              <a:rPr lang="en-US" dirty="0"/>
-              <a:t>a </a:t>
-            </a:r>
-            <a:r>
-              <a:rPr lang="en-JP" dirty="0"/>
-              <a:t>mountain road. </a:t>
-            </a:r>
-          </a:p>
-          <a:p>
-            <a:pPr lvl="1"/>
-            <a:r>
-              <a:rPr lang="en-JP" dirty="0"/>
-              <a:t>I don’t recommend the Rock </a:t>
-            </a:r>
-            <a:r>
-              <a:rPr lang="en-US" dirty="0"/>
-              <a:t>G</a:t>
-            </a:r>
-            <a:r>
-              <a:rPr lang="en-JP" dirty="0"/>
-              <a:t>arden and other places that need sufficient time and good </a:t>
-            </a:r>
-            <a:r>
-              <a:rPr lang="en-US" dirty="0"/>
-              <a:t>pieces of equipment</a:t>
-            </a:r>
-            <a:r>
-              <a:rPr lang="en-JP" dirty="0"/>
-              <a:t>.</a:t>
-            </a:r>
-          </a:p>
-          <a:p>
-            <a:r>
-              <a:rPr lang="en-JP" dirty="0"/>
-              <a:t>Go back to the </a:t>
-            </a:r>
-            <a:r>
-              <a:rPr lang="en-JP" b="1" dirty="0"/>
-              <a:t>cable car’s Mitake-san Station by 1:20 pm</a:t>
-            </a:r>
-            <a:r>
-              <a:rPr lang="en-JP" dirty="0"/>
-              <a:t>.</a:t>
-            </a:r>
-          </a:p>
-          <a:p>
-            <a:pPr marL="0" indent="0">
-              <a:buNone/>
-            </a:pPr>
+              <a:rPr lang="en-JP"/>
+              <a:t>5. Mt. Mitake to JR Mitake Station</a:t>
+            </a:r>
             <a:endParaRPr lang="en-JP" dirty="0"/>
           </a:p>
-          <a:p>
-            <a:endParaRPr lang="en-JP" dirty="0"/>
-          </a:p>
-        </p:txBody>
-      </p:sp>
-      <p:sp>
-        <p:nvSpPr>
-          <p:cNvPr id="4" name="Slide Number Placeholder 3">
-            <a:extLst>
-              <a:ext uri="{FF2B5EF4-FFF2-40B4-BE49-F238E27FC236}">
-                <a16:creationId xmlns:a16="http://schemas.microsoft.com/office/drawing/2014/main" id="{7130D7C9-36BA-D786-0A0B-4156E233526F}"/>
+        </p:txBody>
+      </p:sp>
+      <p:sp>
+        <p:nvSpPr>
+          <p:cNvPr id="7" name="Slide Number Placeholder 6">
+            <a:extLst>
+              <a:ext uri="{FF2B5EF4-FFF2-40B4-BE49-F238E27FC236}">
+                <a16:creationId xmlns:a16="http://schemas.microsoft.com/office/drawing/2014/main" id="{14587119-C713-C3A6-B61C-7C6FE09EBB91}"/>
               </a:ext>
             </a:extLst>
           </p:cNvPr>
@@ -7661,10 +7320,185 @@
           </a:p>
         </p:txBody>
       </p:sp>
+      <p:pic>
+        <p:nvPicPr>
+          <p:cNvPr id="10" name="Picture 2" descr="御岳登山鉄道ケーブルカー　時刻表　2023年3月18日改正">
+            <a:extLst>
+              <a:ext uri="{FF2B5EF4-FFF2-40B4-BE49-F238E27FC236}">
+                <a16:creationId xmlns:a16="http://schemas.microsoft.com/office/drawing/2014/main" id="{B714A599-8135-520B-E169-4D2B3BB44920}"/>
+              </a:ext>
+            </a:extLst>
+          </p:cNvPr>
+          <p:cNvPicPr>
+            <a:picLocks noChangeAspect="1" noChangeArrowheads="1"/>
+          </p:cNvPicPr>
+          <p:nvPr/>
+        </p:nvPicPr>
+        <p:blipFill>
+          <a:blip r:embed="rId3" cstate="email">
+            <a:extLst>
+              <a:ext uri="{28A0092B-C50C-407E-A947-70E740481C1C}">
+                <a14:useLocalDpi xmlns:a14="http://schemas.microsoft.com/office/drawing/2010/main"/>
+              </a:ext>
+            </a:extLst>
+          </a:blip>
+          <a:stretch>
+            <a:fillRect/>
+          </a:stretch>
+        </p:blipFill>
+        <p:spPr bwMode="auto">
+          <a:xfrm>
+            <a:off x="718704" y="1690688"/>
+            <a:ext cx="3222180" cy="4554319"/>
+          </a:xfrm>
+          <a:prstGeom prst="rect">
+            <a:avLst/>
+          </a:prstGeom>
+          <a:noFill/>
+          <a:extLst>
+            <a:ext uri="{909E8E84-426E-40DD-AFC4-6F175D3DCCD1}">
+              <a14:hiddenFill xmlns:a14="http://schemas.microsoft.com/office/drawing/2010/main">
+                <a:solidFill>
+                  <a:srgbClr val="FFFFFF"/>
+                </a:solidFill>
+              </a14:hiddenFill>
+            </a:ext>
+          </a:extLst>
+        </p:spPr>
+      </p:pic>
+      <p:sp>
+        <p:nvSpPr>
+          <p:cNvPr id="11" name="Oval 10">
+            <a:extLst>
+              <a:ext uri="{FF2B5EF4-FFF2-40B4-BE49-F238E27FC236}">
+                <a16:creationId xmlns:a16="http://schemas.microsoft.com/office/drawing/2014/main" id="{50D6ECCF-8CA9-F1D7-6A74-F96D9198A470}"/>
+              </a:ext>
+            </a:extLst>
+          </p:cNvPr>
+          <p:cNvSpPr/>
+          <p:nvPr/>
+        </p:nvSpPr>
+        <p:spPr>
+          <a:xfrm>
+            <a:off x="1064631" y="4445242"/>
+            <a:ext cx="447273" cy="365125"/>
+          </a:xfrm>
+          <a:prstGeom prst="ellipse">
+            <a:avLst/>
+          </a:prstGeom>
+          <a:noFill/>
+        </p:spPr>
+        <p:style>
+          <a:lnRef idx="2">
+            <a:schemeClr val="accent1">
+              <a:shade val="15000"/>
+            </a:schemeClr>
+          </a:lnRef>
+          <a:fillRef idx="1">
+            <a:schemeClr val="accent1"/>
+          </a:fillRef>
+          <a:effectRef idx="0">
+            <a:schemeClr val="accent1"/>
+          </a:effectRef>
+          <a:fontRef idx="minor">
+            <a:schemeClr val="lt1"/>
+          </a:fontRef>
+        </p:style>
+        <p:txBody>
+          <a:bodyPr rtlCol="0" anchor="ctr"/>
+          <a:lstStyle/>
+          <a:p>
+            <a:pPr algn="ctr"/>
+            <a:endParaRPr lang="en-JP"/>
+          </a:p>
+        </p:txBody>
+      </p:sp>
+      <p:sp>
+        <p:nvSpPr>
+          <p:cNvPr id="3" name="TextBox 2">
+            <a:extLst>
+              <a:ext uri="{FF2B5EF4-FFF2-40B4-BE49-F238E27FC236}">
+                <a16:creationId xmlns:a16="http://schemas.microsoft.com/office/drawing/2014/main" id="{7CC57AB6-AE4F-22BA-C791-B927B31A95BC}"/>
+              </a:ext>
+            </a:extLst>
+          </p:cNvPr>
+          <p:cNvSpPr txBox="1"/>
+          <p:nvPr/>
+        </p:nvSpPr>
+        <p:spPr>
+          <a:xfrm>
+            <a:off x="5453580" y="1930785"/>
+            <a:ext cx="3974229" cy="400110"/>
+          </a:xfrm>
+          <a:prstGeom prst="rect">
+            <a:avLst/>
+          </a:prstGeom>
+          <a:noFill/>
+        </p:spPr>
+        <p:txBody>
+          <a:bodyPr wrap="none" rtlCol="0">
+            <a:spAutoFit/>
+          </a:bodyPr>
+          <a:lstStyle/>
+          <a:p>
+            <a:r>
+              <a:rPr lang="en-JP" sz="2000" dirty="0"/>
+              <a:t>Bus time table to JR Mitake Station</a:t>
+            </a:r>
+          </a:p>
+        </p:txBody>
+      </p:sp>
+      <p:sp>
+        <p:nvSpPr>
+          <p:cNvPr id="5" name="Oval 4">
+            <a:extLst>
+              <a:ext uri="{FF2B5EF4-FFF2-40B4-BE49-F238E27FC236}">
+                <a16:creationId xmlns:a16="http://schemas.microsoft.com/office/drawing/2014/main" id="{0BB5CA37-677C-6F59-B198-02A67986F483}"/>
+              </a:ext>
+            </a:extLst>
+          </p:cNvPr>
+          <p:cNvSpPr/>
+          <p:nvPr/>
+        </p:nvSpPr>
+        <p:spPr>
+          <a:xfrm>
+            <a:off x="5844307" y="3636341"/>
+            <a:ext cx="711200" cy="685800"/>
+          </a:xfrm>
+          <a:prstGeom prst="ellipse">
+            <a:avLst/>
+          </a:prstGeom>
+          <a:noFill/>
+        </p:spPr>
+        <p:style>
+          <a:lnRef idx="2">
+            <a:schemeClr val="accent1">
+              <a:shade val="15000"/>
+            </a:schemeClr>
+          </a:lnRef>
+          <a:fillRef idx="1">
+            <a:schemeClr val="accent1"/>
+          </a:fillRef>
+          <a:effectRef idx="0">
+            <a:schemeClr val="accent1"/>
+          </a:effectRef>
+          <a:fontRef idx="minor">
+            <a:schemeClr val="lt1"/>
+          </a:fontRef>
+        </p:style>
+        <p:txBody>
+          <a:bodyPr rtlCol="0" anchor="ctr"/>
+          <a:lstStyle/>
+          <a:p>
+            <a:pPr algn="ctr"/>
+            <a:endParaRPr lang="en-JP"/>
+          </a:p>
+        </p:txBody>
+      </p:sp>
     </p:spTree>
     <p:extLst>
       <p:ext uri="{BB962C8B-B14F-4D97-AF65-F5344CB8AC3E}">
-        <p14:creationId xmlns:p14="http://schemas.microsoft.com/office/powerpoint/2010/main" val="2751319958"/>
+        <p14:creationId xmlns:p14="http://schemas.microsoft.com/office/powerpoint/2010/main" val="2887807948"/>
       </p:ext>
     </p:extLst>
   </p:cSld>
